--- a/amy-lectures/Characterizing_Uncertainty.pptx
+++ b/amy-lectures/Characterizing_Uncertainty.pptx
@@ -4582,8 +4582,8 @@
         </p:nvSpPr>
         <p:spPr>
           <a:xfrm>
-            <a:off x="961714" y="1343818"/>
-            <a:ext cx="10307411" cy="1815882"/>
+            <a:off x="604158" y="1343818"/>
+            <a:ext cx="10664968" cy="2062103"/>
           </a:xfrm>
           <a:prstGeom prst="rect">
             <a:avLst/>
@@ -4597,14 +4597,14 @@
           <a:lstStyle/>
           <a:p>
             <a:r>
-              <a:rPr lang="en-CA" sz="2800" dirty="0">
+              <a:rPr lang="en-CA" sz="3200" dirty="0">
                 <a:effectLst/>
                 <a:latin typeface="Times New Roman" panose="02020603050405020304" pitchFamily="18" charset="0"/>
                 <a:cs typeface="Times New Roman" panose="02020603050405020304" pitchFamily="18" charset="0"/>
               </a:rPr>
               <a:t>A discussion on modeling observation error is straightforward if we believe that all of the observed residual error is measurement error and that there is no uncertainty in the model structure, covariates, or drivers. </a:t>
             </a:r>
-            <a:endParaRPr lang="en-CA" sz="2800" dirty="0">
+            <a:endParaRPr lang="en-CA" sz="3200" dirty="0">
               <a:latin typeface="Times New Roman" panose="02020603050405020304" pitchFamily="18" charset="0"/>
               <a:cs typeface="Times New Roman" panose="02020603050405020304" pitchFamily="18" charset="0"/>
             </a:endParaRPr>

--- a/amy-lectures/Characterizing_Uncertainty.pptx
+++ b/amy-lectures/Characterizing_Uncertainty.pptx
@@ -5,7 +5,7 @@
     <p:sldMasterId id="2147483648" r:id="rId1"/>
   </p:sldMasterIdLst>
   <p:notesMasterIdLst>
-    <p:notesMasterId r:id="rId10"/>
+    <p:notesMasterId r:id="rId11"/>
   </p:notesMasterIdLst>
   <p:sldIdLst>
     <p:sldId id="256" r:id="rId2"/>
@@ -16,6 +16,7 @@
     <p:sldId id="308" r:id="rId7"/>
     <p:sldId id="304" r:id="rId8"/>
     <p:sldId id="303" r:id="rId9"/>
+    <p:sldId id="309" r:id="rId10"/>
   </p:sldIdLst>
   <p:sldSz cx="12192000" cy="6858000"/>
   <p:notesSz cx="6858000" cy="9144000"/>
@@ -4841,7 +4842,7 @@
           <a:p>
             <a:r>
               <a:rPr lang="en-US" dirty="0"/>
-              <a:t>individual organisms. </a:t>
+              <a:t>individual organisms</a:t>
             </a:r>
           </a:p>
           <a:p>
@@ -4856,6 +4857,132 @@
     <p:extLst>
       <p:ext uri="{BB962C8B-B14F-4D97-AF65-F5344CB8AC3E}">
         <p14:creationId xmlns:p14="http://schemas.microsoft.com/office/powerpoint/2010/main" val="2352799784"/>
+      </p:ext>
+    </p:extLst>
+  </p:cSld>
+  <p:clrMapOvr>
+    <a:masterClrMapping/>
+  </p:clrMapOvr>
+</p:sld>
+</file>
+
+<file path=ppt/slides/slide9.xml><?xml version="1.0" encoding="utf-8"?>
+<p:sld xmlns:a="http://schemas.openxmlformats.org/drawingml/2006/main" xmlns:r="http://schemas.openxmlformats.org/officeDocument/2006/relationships" xmlns:p="http://schemas.openxmlformats.org/presentationml/2006/main">
+  <p:cSld>
+    <p:spTree>
+      <p:nvGrpSpPr>
+        <p:cNvPr id="1" name=""/>
+        <p:cNvGrpSpPr/>
+        <p:nvPr/>
+      </p:nvGrpSpPr>
+      <p:grpSpPr>
+        <a:xfrm>
+          <a:off x="0" y="0"/>
+          <a:ext cx="0" cy="0"/>
+          <a:chOff x="0" y="0"/>
+          <a:chExt cx="0" cy="0"/>
+        </a:xfrm>
+      </p:grpSpPr>
+      <p:sp>
+        <p:nvSpPr>
+          <p:cNvPr id="2" name="Title 1">
+            <a:extLst>
+              <a:ext uri="{FF2B5EF4-FFF2-40B4-BE49-F238E27FC236}">
+                <a16:creationId xmlns:a16="http://schemas.microsoft.com/office/drawing/2014/main" id="{30E6D13C-51CB-6939-741B-3B57D980DE8F}"/>
+              </a:ext>
+            </a:extLst>
+          </p:cNvPr>
+          <p:cNvSpPr>
+            <a:spLocks noGrp="1"/>
+          </p:cNvSpPr>
+          <p:nvPr>
+            <p:ph type="title"/>
+          </p:nvPr>
+        </p:nvSpPr>
+        <p:spPr/>
+        <p:txBody>
+          <a:bodyPr/>
+          <a:lstStyle/>
+          <a:p>
+            <a:r>
+              <a:rPr lang="en-US" dirty="0"/>
+              <a:t>Hierarchical models</a:t>
+            </a:r>
+          </a:p>
+        </p:txBody>
+      </p:sp>
+      <p:pic>
+        <p:nvPicPr>
+          <p:cNvPr id="5" name="Picture 4">
+            <a:extLst>
+              <a:ext uri="{FF2B5EF4-FFF2-40B4-BE49-F238E27FC236}">
+                <a16:creationId xmlns:a16="http://schemas.microsoft.com/office/drawing/2014/main" id="{5E510352-866F-EEDE-796A-7340B6D061B6}"/>
+              </a:ext>
+            </a:extLst>
+          </p:cNvPr>
+          <p:cNvPicPr>
+            <a:picLocks noChangeAspect="1"/>
+          </p:cNvPicPr>
+          <p:nvPr/>
+        </p:nvPicPr>
+        <p:blipFill>
+          <a:blip r:embed="rId2"/>
+          <a:stretch>
+            <a:fillRect/>
+          </a:stretch>
+        </p:blipFill>
+        <p:spPr>
+          <a:xfrm>
+            <a:off x="1106958" y="1067832"/>
+            <a:ext cx="9978083" cy="4091996"/>
+          </a:xfrm>
+          <a:prstGeom prst="rect">
+            <a:avLst/>
+          </a:prstGeom>
+        </p:spPr>
+      </p:pic>
+      <p:sp>
+        <p:nvSpPr>
+          <p:cNvPr id="6" name="TextBox 5">
+            <a:extLst>
+              <a:ext uri="{FF2B5EF4-FFF2-40B4-BE49-F238E27FC236}">
+                <a16:creationId xmlns:a16="http://schemas.microsoft.com/office/drawing/2014/main" id="{BC8AD0DB-E379-FBB9-11C0-EE88795AC40F}"/>
+              </a:ext>
+            </a:extLst>
+          </p:cNvPr>
+          <p:cNvSpPr txBox="1"/>
+          <p:nvPr/>
+        </p:nvSpPr>
+        <p:spPr>
+          <a:xfrm>
+            <a:off x="611164" y="5563074"/>
+            <a:ext cx="10969670" cy="646331"/>
+          </a:xfrm>
+          <a:prstGeom prst="rect">
+            <a:avLst/>
+          </a:prstGeom>
+          <a:noFill/>
+        </p:spPr>
+        <p:txBody>
+          <a:bodyPr wrap="none" rtlCol="0">
+            <a:spAutoFit/>
+          </a:bodyPr>
+          <a:lstStyle/>
+          <a:p>
+            <a:r>
+              <a:rPr lang="en-US" sz="3600" dirty="0">
+                <a:latin typeface="Times New Roman" panose="02020603050405020304" pitchFamily="18" charset="0"/>
+                <a:cs typeface="Times New Roman" panose="02020603050405020304" pitchFamily="18" charset="0"/>
+              </a:rPr>
+              <a:t>Powerful tool for estimating and partitioning process error</a:t>
+            </a:r>
+          </a:p>
+        </p:txBody>
+      </p:sp>
+    </p:spTree>
+    <p:extLst>
+      <p:ext uri="{BB962C8B-B14F-4D97-AF65-F5344CB8AC3E}">
+        <p14:creationId xmlns:p14="http://schemas.microsoft.com/office/powerpoint/2010/main" val="4227027037"/>
       </p:ext>
     </p:extLst>
   </p:cSld>

--- a/amy-lectures/Characterizing_Uncertainty.pptx
+++ b/amy-lectures/Characterizing_Uncertainty.pptx
@@ -5,7 +5,7 @@
     <p:sldMasterId id="2147483648" r:id="rId1"/>
   </p:sldMasterIdLst>
   <p:notesMasterIdLst>
-    <p:notesMasterId r:id="rId11"/>
+    <p:notesMasterId r:id="rId15"/>
   </p:notesMasterIdLst>
   <p:sldIdLst>
     <p:sldId id="256" r:id="rId2"/>
@@ -14,9 +14,13 @@
     <p:sldId id="306" r:id="rId5"/>
     <p:sldId id="307" r:id="rId6"/>
     <p:sldId id="308" r:id="rId7"/>
-    <p:sldId id="304" r:id="rId8"/>
-    <p:sldId id="303" r:id="rId9"/>
-    <p:sldId id="309" r:id="rId10"/>
+    <p:sldId id="310" r:id="rId8"/>
+    <p:sldId id="304" r:id="rId9"/>
+    <p:sldId id="303" r:id="rId10"/>
+    <p:sldId id="309" r:id="rId11"/>
+    <p:sldId id="311" r:id="rId12"/>
+    <p:sldId id="313" r:id="rId13"/>
+    <p:sldId id="312" r:id="rId14"/>
   </p:sldIdLst>
   <p:sldSz cx="12192000" cy="6858000"/>
   <p:notesSz cx="6858000" cy="9144000"/>
@@ -205,7 +209,7 @@
           <a:p>
             <a:fld id="{4F607ABD-9BFA-4341-85EB-854238C078B1}" type="datetimeFigureOut">
               <a:rPr lang="en-US" smtClean="0"/>
-              <a:t>8/20/23</a:t>
+              <a:t>8/21/23</a:t>
             </a:fld>
             <a:endParaRPr lang="en-US" dirty="0"/>
           </a:p>
@@ -472,6 +476,90 @@
 </p:notesMaster>
 </file>
 
+<file path=ppt/notesSlides/notesSlide1.xml><?xml version="1.0" encoding="utf-8"?>
+<p:notes xmlns:a="http://schemas.openxmlformats.org/drawingml/2006/main" xmlns:r="http://schemas.openxmlformats.org/officeDocument/2006/relationships" xmlns:p="http://schemas.openxmlformats.org/presentationml/2006/main">
+  <p:cSld>
+    <p:spTree>
+      <p:nvGrpSpPr>
+        <p:cNvPr id="1" name=""/>
+        <p:cNvGrpSpPr/>
+        <p:nvPr/>
+      </p:nvGrpSpPr>
+      <p:grpSpPr>
+        <a:xfrm>
+          <a:off x="0" y="0"/>
+          <a:ext cx="0" cy="0"/>
+          <a:chOff x="0" y="0"/>
+          <a:chExt cx="0" cy="0"/>
+        </a:xfrm>
+      </p:grpSpPr>
+      <p:sp>
+        <p:nvSpPr>
+          <p:cNvPr id="2" name="Slide Image Placeholder 1"/>
+          <p:cNvSpPr>
+            <a:spLocks noGrp="1" noRot="1" noChangeAspect="1"/>
+          </p:cNvSpPr>
+          <p:nvPr>
+            <p:ph type="sldImg"/>
+          </p:nvPr>
+        </p:nvSpPr>
+        <p:spPr/>
+      </p:sp>
+      <p:sp>
+        <p:nvSpPr>
+          <p:cNvPr id="3" name="Notes Placeholder 2"/>
+          <p:cNvSpPr>
+            <a:spLocks noGrp="1"/>
+          </p:cNvSpPr>
+          <p:nvPr>
+            <p:ph type="body" idx="1"/>
+          </p:nvPr>
+        </p:nvSpPr>
+        <p:spPr/>
+        <p:txBody>
+          <a:bodyPr/>
+          <a:lstStyle/>
+          <a:p>
+            <a:endParaRPr lang="en-US" dirty="0"/>
+          </a:p>
+        </p:txBody>
+      </p:sp>
+      <p:sp>
+        <p:nvSpPr>
+          <p:cNvPr id="4" name="Slide Number Placeholder 3"/>
+          <p:cNvSpPr>
+            <a:spLocks noGrp="1"/>
+          </p:cNvSpPr>
+          <p:nvPr>
+            <p:ph type="sldNum" sz="quarter" idx="5"/>
+          </p:nvPr>
+        </p:nvSpPr>
+        <p:spPr/>
+        <p:txBody>
+          <a:bodyPr/>
+          <a:lstStyle/>
+          <a:p>
+            <a:fld id="{6415F383-4A9E-2149-A952-B5563948ACD5}" type="slidenum">
+              <a:rPr lang="en-US" smtClean="0"/>
+              <a:t>7</a:t>
+            </a:fld>
+            <a:endParaRPr lang="en-US" dirty="0"/>
+          </a:p>
+        </p:txBody>
+      </p:sp>
+    </p:spTree>
+    <p:extLst>
+      <p:ext uri="{BB962C8B-B14F-4D97-AF65-F5344CB8AC3E}">
+        <p14:creationId xmlns:p14="http://schemas.microsoft.com/office/powerpoint/2010/main" val="730279710"/>
+      </p:ext>
+    </p:extLst>
+  </p:cSld>
+  <p:clrMapOvr>
+    <a:masterClrMapping/>
+  </p:clrMapOvr>
+</p:notes>
+</file>
+
 <file path=ppt/slideLayouts/slideLayout1.xml><?xml version="1.0" encoding="utf-8"?>
 <p:sldLayout xmlns:a="http://schemas.openxmlformats.org/drawingml/2006/main" xmlns:r="http://schemas.openxmlformats.org/officeDocument/2006/relationships" xmlns:p="http://schemas.openxmlformats.org/presentationml/2006/main" type="title" preserve="1">
   <p:cSld name="Title Slide">
@@ -619,7 +707,7 @@
           <a:p>
             <a:fld id="{9BF60C95-0472-DE44-8980-673BD05BB60F}" type="datetimeFigureOut">
               <a:rPr lang="en-US" smtClean="0"/>
-              <a:t>8/20/23</a:t>
+              <a:t>8/21/23</a:t>
             </a:fld>
             <a:endParaRPr lang="en-US" dirty="0"/>
           </a:p>
@@ -817,7 +905,7 @@
           <a:p>
             <a:fld id="{9BF60C95-0472-DE44-8980-673BD05BB60F}" type="datetimeFigureOut">
               <a:rPr lang="en-US" smtClean="0"/>
-              <a:t>8/20/23</a:t>
+              <a:t>8/21/23</a:t>
             </a:fld>
             <a:endParaRPr lang="en-US" dirty="0"/>
           </a:p>
@@ -1025,7 +1113,7 @@
           <a:p>
             <a:fld id="{9BF60C95-0472-DE44-8980-673BD05BB60F}" type="datetimeFigureOut">
               <a:rPr lang="en-US" smtClean="0"/>
-              <a:t>8/20/23</a:t>
+              <a:t>8/21/23</a:t>
             </a:fld>
             <a:endParaRPr lang="en-US" dirty="0"/>
           </a:p>
@@ -1567,7 +1655,7 @@
           <a:p>
             <a:fld id="{9BF60C95-0472-DE44-8980-673BD05BB60F}" type="datetimeFigureOut">
               <a:rPr lang="en-US" smtClean="0"/>
-              <a:t>8/20/23</a:t>
+              <a:t>8/21/23</a:t>
             </a:fld>
             <a:endParaRPr lang="en-US" dirty="0"/>
           </a:p>
@@ -1832,7 +1920,7 @@
           <a:p>
             <a:fld id="{9BF60C95-0472-DE44-8980-673BD05BB60F}" type="datetimeFigureOut">
               <a:rPr lang="en-US" smtClean="0"/>
-              <a:t>8/20/23</a:t>
+              <a:t>8/21/23</a:t>
             </a:fld>
             <a:endParaRPr lang="en-US" dirty="0"/>
           </a:p>
@@ -2244,7 +2332,7 @@
           <a:p>
             <a:fld id="{9BF60C95-0472-DE44-8980-673BD05BB60F}" type="datetimeFigureOut">
               <a:rPr lang="en-US" smtClean="0"/>
-              <a:t>8/20/23</a:t>
+              <a:t>8/21/23</a:t>
             </a:fld>
             <a:endParaRPr lang="en-US" dirty="0"/>
           </a:p>
@@ -2385,7 +2473,7 @@
           <a:p>
             <a:fld id="{9BF60C95-0472-DE44-8980-673BD05BB60F}" type="datetimeFigureOut">
               <a:rPr lang="en-US" smtClean="0"/>
-              <a:t>8/20/23</a:t>
+              <a:t>8/21/23</a:t>
             </a:fld>
             <a:endParaRPr lang="en-US" dirty="0"/>
           </a:p>
@@ -2498,7 +2586,7 @@
           <a:p>
             <a:fld id="{9BF60C95-0472-DE44-8980-673BD05BB60F}" type="datetimeFigureOut">
               <a:rPr lang="en-US" smtClean="0"/>
-              <a:t>8/20/23</a:t>
+              <a:t>8/21/23</a:t>
             </a:fld>
             <a:endParaRPr lang="en-US" dirty="0"/>
           </a:p>
@@ -2809,7 +2897,7 @@
           <a:p>
             <a:fld id="{9BF60C95-0472-DE44-8980-673BD05BB60F}" type="datetimeFigureOut">
               <a:rPr lang="en-US" smtClean="0"/>
-              <a:t>8/20/23</a:t>
+              <a:t>8/21/23</a:t>
             </a:fld>
             <a:endParaRPr lang="en-US" dirty="0"/>
           </a:p>
@@ -3097,7 +3185,7 @@
           <a:p>
             <a:fld id="{9BF60C95-0472-DE44-8980-673BD05BB60F}" type="datetimeFigureOut">
               <a:rPr lang="en-US" smtClean="0"/>
-              <a:t>8/20/23</a:t>
+              <a:t>8/21/23</a:t>
             </a:fld>
             <a:endParaRPr lang="en-US" dirty="0"/>
           </a:p>
@@ -3338,7 +3426,7 @@
           <a:p>
             <a:fld id="{9BF60C95-0472-DE44-8980-673BD05BB60F}" type="datetimeFigureOut">
               <a:rPr lang="en-US" smtClean="0"/>
-              <a:t>8/20/23</a:t>
+              <a:t>8/21/23</a:t>
             </a:fld>
             <a:endParaRPr lang="en-US" dirty="0"/>
           </a:p>
@@ -3859,6 +3947,588 @@
 </p:sld>
 </file>
 
+<file path=ppt/slides/slide10.xml><?xml version="1.0" encoding="utf-8"?>
+<p:sld xmlns:a="http://schemas.openxmlformats.org/drawingml/2006/main" xmlns:r="http://schemas.openxmlformats.org/officeDocument/2006/relationships" xmlns:p="http://schemas.openxmlformats.org/presentationml/2006/main">
+  <p:cSld>
+    <p:spTree>
+      <p:nvGrpSpPr>
+        <p:cNvPr id="1" name=""/>
+        <p:cNvGrpSpPr/>
+        <p:nvPr/>
+      </p:nvGrpSpPr>
+      <p:grpSpPr>
+        <a:xfrm>
+          <a:off x="0" y="0"/>
+          <a:ext cx="0" cy="0"/>
+          <a:chOff x="0" y="0"/>
+          <a:chExt cx="0" cy="0"/>
+        </a:xfrm>
+      </p:grpSpPr>
+      <p:sp>
+        <p:nvSpPr>
+          <p:cNvPr id="2" name="Title 1">
+            <a:extLst>
+              <a:ext uri="{FF2B5EF4-FFF2-40B4-BE49-F238E27FC236}">
+                <a16:creationId xmlns:a16="http://schemas.microsoft.com/office/drawing/2014/main" id="{30E6D13C-51CB-6939-741B-3B57D980DE8F}"/>
+              </a:ext>
+            </a:extLst>
+          </p:cNvPr>
+          <p:cNvSpPr>
+            <a:spLocks noGrp="1"/>
+          </p:cNvSpPr>
+          <p:nvPr>
+            <p:ph type="title"/>
+          </p:nvPr>
+        </p:nvSpPr>
+        <p:spPr/>
+        <p:txBody>
+          <a:bodyPr/>
+          <a:lstStyle/>
+          <a:p>
+            <a:r>
+              <a:rPr lang="en-US" dirty="0"/>
+              <a:t>Hierarchical models</a:t>
+            </a:r>
+          </a:p>
+        </p:txBody>
+      </p:sp>
+      <p:pic>
+        <p:nvPicPr>
+          <p:cNvPr id="5" name="Picture 4">
+            <a:extLst>
+              <a:ext uri="{FF2B5EF4-FFF2-40B4-BE49-F238E27FC236}">
+                <a16:creationId xmlns:a16="http://schemas.microsoft.com/office/drawing/2014/main" id="{5E510352-866F-EEDE-796A-7340B6D061B6}"/>
+              </a:ext>
+            </a:extLst>
+          </p:cNvPr>
+          <p:cNvPicPr>
+            <a:picLocks noChangeAspect="1"/>
+          </p:cNvPicPr>
+          <p:nvPr/>
+        </p:nvPicPr>
+        <p:blipFill>
+          <a:blip r:embed="rId2"/>
+          <a:stretch>
+            <a:fillRect/>
+          </a:stretch>
+        </p:blipFill>
+        <p:spPr>
+          <a:xfrm>
+            <a:off x="597080" y="1483731"/>
+            <a:ext cx="10733798" cy="4401914"/>
+          </a:xfrm>
+          <a:prstGeom prst="rect">
+            <a:avLst/>
+          </a:prstGeom>
+        </p:spPr>
+      </p:pic>
+      <p:sp>
+        <p:nvSpPr>
+          <p:cNvPr id="3" name="TextBox 2">
+            <a:extLst>
+              <a:ext uri="{FF2B5EF4-FFF2-40B4-BE49-F238E27FC236}">
+                <a16:creationId xmlns:a16="http://schemas.microsoft.com/office/drawing/2014/main" id="{6B48A5F3-AA56-3D44-BB81-9BCEE6DF72D4}"/>
+              </a:ext>
+            </a:extLst>
+          </p:cNvPr>
+          <p:cNvSpPr txBox="1"/>
+          <p:nvPr/>
+        </p:nvSpPr>
+        <p:spPr>
+          <a:xfrm>
+            <a:off x="291547" y="6470413"/>
+            <a:ext cx="3506088" cy="369332"/>
+          </a:xfrm>
+          <a:prstGeom prst="rect">
+            <a:avLst/>
+          </a:prstGeom>
+          <a:noFill/>
+        </p:spPr>
+        <p:txBody>
+          <a:bodyPr wrap="none" rtlCol="0">
+            <a:spAutoFit/>
+          </a:bodyPr>
+          <a:lstStyle/>
+          <a:p>
+            <a:r>
+              <a:rPr lang="en-US" dirty="0">
+                <a:latin typeface="Times New Roman" panose="02020603050405020304" pitchFamily="18" charset="0"/>
+                <a:cs typeface="Times New Roman" panose="02020603050405020304" pitchFamily="18" charset="0"/>
+              </a:rPr>
+              <a:t>Dietz 2017. Ecological forecasting.</a:t>
+            </a:r>
+          </a:p>
+        </p:txBody>
+      </p:sp>
+    </p:spTree>
+    <p:extLst>
+      <p:ext uri="{BB962C8B-B14F-4D97-AF65-F5344CB8AC3E}">
+        <p14:creationId xmlns:p14="http://schemas.microsoft.com/office/powerpoint/2010/main" val="4227027037"/>
+      </p:ext>
+    </p:extLst>
+  </p:cSld>
+  <p:clrMapOvr>
+    <a:masterClrMapping/>
+  </p:clrMapOvr>
+</p:sld>
+</file>
+
+<file path=ppt/slides/slide11.xml><?xml version="1.0" encoding="utf-8"?>
+<p:sld xmlns:a="http://schemas.openxmlformats.org/drawingml/2006/main" xmlns:r="http://schemas.openxmlformats.org/officeDocument/2006/relationships" xmlns:p="http://schemas.openxmlformats.org/presentationml/2006/main">
+  <p:cSld>
+    <p:spTree>
+      <p:nvGrpSpPr>
+        <p:cNvPr id="1" name=""/>
+        <p:cNvGrpSpPr/>
+        <p:nvPr/>
+      </p:nvGrpSpPr>
+      <p:grpSpPr>
+        <a:xfrm>
+          <a:off x="0" y="0"/>
+          <a:ext cx="0" cy="0"/>
+          <a:chOff x="0" y="0"/>
+          <a:chExt cx="0" cy="0"/>
+        </a:xfrm>
+      </p:grpSpPr>
+      <p:sp>
+        <p:nvSpPr>
+          <p:cNvPr id="2" name="Title 1">
+            <a:extLst>
+              <a:ext uri="{FF2B5EF4-FFF2-40B4-BE49-F238E27FC236}">
+                <a16:creationId xmlns:a16="http://schemas.microsoft.com/office/drawing/2014/main" id="{DB63D318-62DB-07D1-8595-662F5CAB6129}"/>
+              </a:ext>
+            </a:extLst>
+          </p:cNvPr>
+          <p:cNvSpPr>
+            <a:spLocks noGrp="1"/>
+          </p:cNvSpPr>
+          <p:nvPr>
+            <p:ph type="title"/>
+          </p:nvPr>
+        </p:nvSpPr>
+        <p:spPr/>
+        <p:txBody>
+          <a:bodyPr/>
+          <a:lstStyle/>
+          <a:p>
+            <a:r>
+              <a:rPr lang="en-US" dirty="0"/>
+              <a:t>Hierarchical models</a:t>
+            </a:r>
+          </a:p>
+        </p:txBody>
+      </p:sp>
+      <p:pic>
+        <p:nvPicPr>
+          <p:cNvPr id="5" name="Picture 4">
+            <a:extLst>
+              <a:ext uri="{FF2B5EF4-FFF2-40B4-BE49-F238E27FC236}">
+                <a16:creationId xmlns:a16="http://schemas.microsoft.com/office/drawing/2014/main" id="{6467BFF5-60AC-9C59-341A-19E51DF17A90}"/>
+              </a:ext>
+            </a:extLst>
+          </p:cNvPr>
+          <p:cNvPicPr>
+            <a:picLocks noChangeAspect="1"/>
+          </p:cNvPicPr>
+          <p:nvPr/>
+        </p:nvPicPr>
+        <p:blipFill>
+          <a:blip r:embed="rId2"/>
+          <a:stretch>
+            <a:fillRect/>
+          </a:stretch>
+        </p:blipFill>
+        <p:spPr>
+          <a:xfrm>
+            <a:off x="263891" y="1192769"/>
+            <a:ext cx="5055084" cy="5646976"/>
+          </a:xfrm>
+          <a:prstGeom prst="rect">
+            <a:avLst/>
+          </a:prstGeom>
+        </p:spPr>
+      </p:pic>
+      <p:sp>
+        <p:nvSpPr>
+          <p:cNvPr id="6" name="TextBox 5">
+            <a:extLst>
+              <a:ext uri="{FF2B5EF4-FFF2-40B4-BE49-F238E27FC236}">
+                <a16:creationId xmlns:a16="http://schemas.microsoft.com/office/drawing/2014/main" id="{00B100CE-2AB1-5A31-C736-28A068AE0A6D}"/>
+              </a:ext>
+            </a:extLst>
+          </p:cNvPr>
+          <p:cNvSpPr txBox="1"/>
+          <p:nvPr/>
+        </p:nvSpPr>
+        <p:spPr>
+          <a:xfrm>
+            <a:off x="360608" y="6271146"/>
+            <a:ext cx="2178802" cy="400110"/>
+          </a:xfrm>
+          <a:prstGeom prst="rect">
+            <a:avLst/>
+          </a:prstGeom>
+          <a:noFill/>
+        </p:spPr>
+        <p:txBody>
+          <a:bodyPr wrap="none" rtlCol="0">
+            <a:spAutoFit/>
+          </a:bodyPr>
+          <a:lstStyle/>
+          <a:p>
+            <a:r>
+              <a:rPr lang="en-US" sz="2000" dirty="0">
+                <a:latin typeface="Times New Roman" panose="02020603050405020304" pitchFamily="18" charset="0"/>
+                <a:cs typeface="Times New Roman" panose="02020603050405020304" pitchFamily="18" charset="0"/>
+              </a:rPr>
+              <a:t>By Dave Schneider</a:t>
+            </a:r>
+          </a:p>
+        </p:txBody>
+      </p:sp>
+      <p:sp>
+        <p:nvSpPr>
+          <p:cNvPr id="8" name="TextBox 7">
+            <a:extLst>
+              <a:ext uri="{FF2B5EF4-FFF2-40B4-BE49-F238E27FC236}">
+                <a16:creationId xmlns:a16="http://schemas.microsoft.com/office/drawing/2014/main" id="{F0B0DF1F-17E3-C855-ACB1-7BCA5058F6F6}"/>
+              </a:ext>
+            </a:extLst>
+          </p:cNvPr>
+          <p:cNvSpPr txBox="1"/>
+          <p:nvPr/>
+        </p:nvSpPr>
+        <p:spPr>
+          <a:xfrm>
+            <a:off x="5710349" y="2267120"/>
+            <a:ext cx="6098146" cy="1384995"/>
+          </a:xfrm>
+          <a:prstGeom prst="rect">
+            <a:avLst/>
+          </a:prstGeom>
+          <a:noFill/>
+        </p:spPr>
+        <p:txBody>
+          <a:bodyPr wrap="square">
+            <a:spAutoFit/>
+          </a:bodyPr>
+          <a:lstStyle/>
+          <a:p>
+            <a:r>
+              <a:rPr lang="en-US" sz="2800" dirty="0">
+                <a:latin typeface="Times New Roman" panose="02020603050405020304" pitchFamily="18" charset="0"/>
+                <a:cs typeface="Times New Roman" panose="02020603050405020304" pitchFamily="18" charset="0"/>
+              </a:rPr>
+              <a:t>Account for variability in process or scale even if we cannot yet explain that variability in our process model</a:t>
+            </a:r>
+          </a:p>
+        </p:txBody>
+      </p:sp>
+      <p:sp>
+        <p:nvSpPr>
+          <p:cNvPr id="9" name="TextBox 8">
+            <a:extLst>
+              <a:ext uri="{FF2B5EF4-FFF2-40B4-BE49-F238E27FC236}">
+                <a16:creationId xmlns:a16="http://schemas.microsoft.com/office/drawing/2014/main" id="{117A2FE6-1C2E-380E-CBC6-658E6D7E4927}"/>
+              </a:ext>
+            </a:extLst>
+          </p:cNvPr>
+          <p:cNvSpPr txBox="1"/>
+          <p:nvPr/>
+        </p:nvSpPr>
+        <p:spPr>
+          <a:xfrm>
+            <a:off x="8214527" y="3622816"/>
+            <a:ext cx="3506088" cy="369332"/>
+          </a:xfrm>
+          <a:prstGeom prst="rect">
+            <a:avLst/>
+          </a:prstGeom>
+          <a:noFill/>
+        </p:spPr>
+        <p:txBody>
+          <a:bodyPr wrap="none" rtlCol="0">
+            <a:spAutoFit/>
+          </a:bodyPr>
+          <a:lstStyle/>
+          <a:p>
+            <a:r>
+              <a:rPr lang="en-US" dirty="0">
+                <a:latin typeface="Times New Roman" panose="02020603050405020304" pitchFamily="18" charset="0"/>
+                <a:cs typeface="Times New Roman" panose="02020603050405020304" pitchFamily="18" charset="0"/>
+              </a:rPr>
+              <a:t>Dietz 2017. Ecological forecasting.</a:t>
+            </a:r>
+          </a:p>
+        </p:txBody>
+      </p:sp>
+    </p:spTree>
+    <p:extLst>
+      <p:ext uri="{BB962C8B-B14F-4D97-AF65-F5344CB8AC3E}">
+        <p14:creationId xmlns:p14="http://schemas.microsoft.com/office/powerpoint/2010/main" val="53076331"/>
+      </p:ext>
+    </p:extLst>
+  </p:cSld>
+  <p:clrMapOvr>
+    <a:masterClrMapping/>
+  </p:clrMapOvr>
+</p:sld>
+</file>
+
+<file path=ppt/slides/slide12.xml><?xml version="1.0" encoding="utf-8"?>
+<p:sld xmlns:a="http://schemas.openxmlformats.org/drawingml/2006/main" xmlns:r="http://schemas.openxmlformats.org/officeDocument/2006/relationships" xmlns:p="http://schemas.openxmlformats.org/presentationml/2006/main">
+  <p:cSld>
+    <p:spTree>
+      <p:nvGrpSpPr>
+        <p:cNvPr id="1" name=""/>
+        <p:cNvGrpSpPr/>
+        <p:nvPr/>
+      </p:nvGrpSpPr>
+      <p:grpSpPr>
+        <a:xfrm>
+          <a:off x="0" y="0"/>
+          <a:ext cx="0" cy="0"/>
+          <a:chOff x="0" y="0"/>
+          <a:chExt cx="0" cy="0"/>
+        </a:xfrm>
+      </p:grpSpPr>
+      <p:pic>
+        <p:nvPicPr>
+          <p:cNvPr id="5" name="Picture 4">
+            <a:extLst>
+              <a:ext uri="{FF2B5EF4-FFF2-40B4-BE49-F238E27FC236}">
+                <a16:creationId xmlns:a16="http://schemas.microsoft.com/office/drawing/2014/main" id="{4058EAFC-5F8C-D630-FE6F-357AC750DB94}"/>
+              </a:ext>
+            </a:extLst>
+          </p:cNvPr>
+          <p:cNvPicPr>
+            <a:picLocks noChangeAspect="1"/>
+          </p:cNvPicPr>
+          <p:nvPr/>
+        </p:nvPicPr>
+        <p:blipFill>
+          <a:blip r:embed="rId2"/>
+          <a:stretch>
+            <a:fillRect/>
+          </a:stretch>
+        </p:blipFill>
+        <p:spPr>
+          <a:xfrm>
+            <a:off x="189842" y="90153"/>
+            <a:ext cx="7381421" cy="6671255"/>
+          </a:xfrm>
+          <a:prstGeom prst="rect">
+            <a:avLst/>
+          </a:prstGeom>
+        </p:spPr>
+      </p:pic>
+      <p:sp>
+        <p:nvSpPr>
+          <p:cNvPr id="7" name="TextBox 6">
+            <a:extLst>
+              <a:ext uri="{FF2B5EF4-FFF2-40B4-BE49-F238E27FC236}">
+                <a16:creationId xmlns:a16="http://schemas.microsoft.com/office/drawing/2014/main" id="{07A860A3-BCF6-56E4-7002-4C40282D5ADB}"/>
+              </a:ext>
+            </a:extLst>
+          </p:cNvPr>
+          <p:cNvSpPr txBox="1"/>
+          <p:nvPr/>
+        </p:nvSpPr>
+        <p:spPr>
+          <a:xfrm>
+            <a:off x="7362544" y="2204364"/>
+            <a:ext cx="4639614" cy="1384995"/>
+          </a:xfrm>
+          <a:prstGeom prst="rect">
+            <a:avLst/>
+          </a:prstGeom>
+          <a:noFill/>
+        </p:spPr>
+        <p:txBody>
+          <a:bodyPr wrap="square">
+            <a:spAutoFit/>
+          </a:bodyPr>
+          <a:lstStyle/>
+          <a:p>
+            <a:r>
+              <a:rPr lang="en-US" sz="2800" dirty="0">
+                <a:latin typeface="Times New Roman" panose="02020603050405020304" pitchFamily="18" charset="0"/>
+                <a:cs typeface="Times New Roman" panose="02020603050405020304" pitchFamily="18" charset="0"/>
+              </a:rPr>
+              <a:t>Hierarchical models are a powerful tool for estimating and partitioning process error</a:t>
+            </a:r>
+          </a:p>
+        </p:txBody>
+      </p:sp>
+      <p:sp>
+        <p:nvSpPr>
+          <p:cNvPr id="8" name="TextBox 7">
+            <a:extLst>
+              <a:ext uri="{FF2B5EF4-FFF2-40B4-BE49-F238E27FC236}">
+                <a16:creationId xmlns:a16="http://schemas.microsoft.com/office/drawing/2014/main" id="{1FE01749-4A92-AC7F-7750-DE8C52B0B5DA}"/>
+              </a:ext>
+            </a:extLst>
+          </p:cNvPr>
+          <p:cNvSpPr txBox="1"/>
+          <p:nvPr/>
+        </p:nvSpPr>
+        <p:spPr>
+          <a:xfrm>
+            <a:off x="8315085" y="3589359"/>
+            <a:ext cx="3506088" cy="369332"/>
+          </a:xfrm>
+          <a:prstGeom prst="rect">
+            <a:avLst/>
+          </a:prstGeom>
+          <a:noFill/>
+        </p:spPr>
+        <p:txBody>
+          <a:bodyPr wrap="none" rtlCol="0">
+            <a:spAutoFit/>
+          </a:bodyPr>
+          <a:lstStyle/>
+          <a:p>
+            <a:r>
+              <a:rPr lang="en-US" dirty="0">
+                <a:latin typeface="Times New Roman" panose="02020603050405020304" pitchFamily="18" charset="0"/>
+                <a:cs typeface="Times New Roman" panose="02020603050405020304" pitchFamily="18" charset="0"/>
+              </a:rPr>
+              <a:t>Dietz 2017. Ecological forecasting.</a:t>
+            </a:r>
+          </a:p>
+        </p:txBody>
+      </p:sp>
+    </p:spTree>
+    <p:extLst>
+      <p:ext uri="{BB962C8B-B14F-4D97-AF65-F5344CB8AC3E}">
+        <p14:creationId xmlns:p14="http://schemas.microsoft.com/office/powerpoint/2010/main" val="3204627597"/>
+      </p:ext>
+    </p:extLst>
+  </p:cSld>
+  <p:clrMapOvr>
+    <a:masterClrMapping/>
+  </p:clrMapOvr>
+</p:sld>
+</file>
+
+<file path=ppt/slides/slide13.xml><?xml version="1.0" encoding="utf-8"?>
+<p:sld xmlns:a="http://schemas.openxmlformats.org/drawingml/2006/main" xmlns:r="http://schemas.openxmlformats.org/officeDocument/2006/relationships" xmlns:p="http://schemas.openxmlformats.org/presentationml/2006/main">
+  <p:cSld>
+    <p:spTree>
+      <p:nvGrpSpPr>
+        <p:cNvPr id="1" name=""/>
+        <p:cNvGrpSpPr/>
+        <p:nvPr/>
+      </p:nvGrpSpPr>
+      <p:grpSpPr>
+        <a:xfrm>
+          <a:off x="0" y="0"/>
+          <a:ext cx="0" cy="0"/>
+          <a:chOff x="0" y="0"/>
+          <a:chExt cx="0" cy="0"/>
+        </a:xfrm>
+      </p:grpSpPr>
+      <p:sp>
+        <p:nvSpPr>
+          <p:cNvPr id="2" name="Title 1">
+            <a:extLst>
+              <a:ext uri="{FF2B5EF4-FFF2-40B4-BE49-F238E27FC236}">
+                <a16:creationId xmlns:a16="http://schemas.microsoft.com/office/drawing/2014/main" id="{30115863-EC01-8190-76DD-7B46D6856AB2}"/>
+              </a:ext>
+            </a:extLst>
+          </p:cNvPr>
+          <p:cNvSpPr>
+            <a:spLocks noGrp="1"/>
+          </p:cNvSpPr>
+          <p:nvPr>
+            <p:ph type="title"/>
+          </p:nvPr>
+        </p:nvSpPr>
+        <p:spPr/>
+        <p:txBody>
+          <a:bodyPr/>
+          <a:lstStyle/>
+          <a:p>
+            <a:r>
+              <a:rPr lang="en-US" dirty="0"/>
+              <a:t>Conclusion</a:t>
+            </a:r>
+          </a:p>
+        </p:txBody>
+      </p:sp>
+      <p:sp>
+        <p:nvSpPr>
+          <p:cNvPr id="3" name="Content Placeholder 2">
+            <a:extLst>
+              <a:ext uri="{FF2B5EF4-FFF2-40B4-BE49-F238E27FC236}">
+                <a16:creationId xmlns:a16="http://schemas.microsoft.com/office/drawing/2014/main" id="{DB69849C-C4AA-A8BB-378B-6C572A49CA54}"/>
+              </a:ext>
+            </a:extLst>
+          </p:cNvPr>
+          <p:cNvSpPr>
+            <a:spLocks noGrp="1"/>
+          </p:cNvSpPr>
+          <p:nvPr>
+            <p:ph idx="1"/>
+          </p:nvPr>
+        </p:nvSpPr>
+        <p:spPr/>
+        <p:txBody>
+          <a:bodyPr>
+            <a:normAutofit lnSpcReduction="10000"/>
+          </a:bodyPr>
+          <a:lstStyle/>
+          <a:p>
+            <a:pPr marL="0" indent="0">
+              <a:buNone/>
+            </a:pPr>
+            <a:r>
+              <a:rPr lang="en-US" dirty="0"/>
+              <a:t>3. It is better to thoughtfully choose the appropriate data model than transform data to meet normality assumptions</a:t>
+            </a:r>
+          </a:p>
+          <a:p>
+            <a:pPr marL="0" indent="0">
+              <a:buNone/>
+            </a:pPr>
+            <a:r>
+              <a:rPr lang="en-US" dirty="0"/>
+              <a:t>6. Ignoring errors in variables (covariates, inputs) leads to falsely overconfident and potentially biased conclusions</a:t>
+            </a:r>
+          </a:p>
+          <a:p>
+            <a:pPr marL="0" indent="0">
+              <a:buNone/>
+            </a:pPr>
+            <a:r>
+              <a:rPr lang="en-US" dirty="0"/>
+              <a:t>7. Derived data products should be used with caution, especially if they lack a rigorous partitioning of uncertainties</a:t>
+            </a:r>
+          </a:p>
+          <a:p>
+            <a:pPr marL="0" indent="0">
+              <a:buNone/>
+            </a:pPr>
+            <a:r>
+              <a:rPr lang="en-US" dirty="0"/>
+              <a:t>11. Partitioning process errors improves forecasts because different errors do not propagate the same ways in space and time</a:t>
+            </a:r>
+          </a:p>
+        </p:txBody>
+      </p:sp>
+    </p:spTree>
+    <p:extLst>
+      <p:ext uri="{BB962C8B-B14F-4D97-AF65-F5344CB8AC3E}">
+        <p14:creationId xmlns:p14="http://schemas.microsoft.com/office/powerpoint/2010/main" val="1281988964"/>
+      </p:ext>
+    </p:extLst>
+  </p:cSld>
+  <p:clrMapOvr>
+    <a:masterClrMapping/>
+  </p:clrMapOvr>
+</p:sld>
+</file>
+
 <file path=ppt/slides/slide2.xml><?xml version="1.0" encoding="utf-8"?>
 <p:sld xmlns:a="http://schemas.openxmlformats.org/drawingml/2006/main" xmlns:r="http://schemas.openxmlformats.org/officeDocument/2006/relationships" xmlns:p="http://schemas.openxmlformats.org/presentationml/2006/main">
   <p:cSld>
@@ -3904,41 +4574,64 @@
           </a:p>
         </p:txBody>
       </p:sp>
-      <p:sp>
-        <p:nvSpPr>
-          <p:cNvPr id="6" name="TextBox 5">
-            <a:extLst>
-              <a:ext uri="{FF2B5EF4-FFF2-40B4-BE49-F238E27FC236}">
-                <a16:creationId xmlns:a16="http://schemas.microsoft.com/office/drawing/2014/main" id="{B038D2B2-D5AE-C6D3-41B9-5E95BE57C67E}"/>
-              </a:ext>
-            </a:extLst>
-          </p:cNvPr>
-          <p:cNvSpPr txBox="1"/>
+      <p:pic>
+        <p:nvPicPr>
+          <p:cNvPr id="4" name="Picture 3">
+            <a:extLst>
+              <a:ext uri="{FF2B5EF4-FFF2-40B4-BE49-F238E27FC236}">
+                <a16:creationId xmlns:a16="http://schemas.microsoft.com/office/drawing/2014/main" id="{CB6A62BA-4E0C-93F0-33D1-036E4FF8EB4B}"/>
+              </a:ext>
+            </a:extLst>
+          </p:cNvPr>
+          <p:cNvPicPr>
+            <a:picLocks noChangeAspect="1"/>
+          </p:cNvPicPr>
           <p:nvPr/>
-        </p:nvSpPr>
+        </p:nvPicPr>
+        <p:blipFill rotWithShape="1">
+          <a:blip r:embed="rId2"/>
+          <a:srcRect t="38826" r="41660"/>
+          <a:stretch/>
+        </p:blipFill>
         <p:spPr>
-          <a:xfrm>
-            <a:off x="6417129" y="1730829"/>
-            <a:ext cx="766748" cy="369332"/>
+          <a:xfrm rot="5400000">
+            <a:off x="28536" y="1920832"/>
+            <a:ext cx="5403812" cy="4249784"/>
           </a:xfrm>
           <a:prstGeom prst="rect">
             <a:avLst/>
           </a:prstGeom>
-          <a:noFill/>
         </p:spPr>
-        <p:txBody>
-          <a:bodyPr wrap="none" rtlCol="0">
-            <a:spAutoFit/>
-          </a:bodyPr>
-          <a:lstStyle/>
-          <a:p>
-            <a:r>
-              <a:rPr lang="en-US" dirty="0"/>
-              <a:t>Figure</a:t>
-            </a:r>
-          </a:p>
-        </p:txBody>
-      </p:sp>
+      </p:pic>
+      <p:pic>
+        <p:nvPicPr>
+          <p:cNvPr id="5" name="Picture 4">
+            <a:extLst>
+              <a:ext uri="{FF2B5EF4-FFF2-40B4-BE49-F238E27FC236}">
+                <a16:creationId xmlns:a16="http://schemas.microsoft.com/office/drawing/2014/main" id="{A8B08983-6A19-D0D9-D5B0-CFCE6490A3CA}"/>
+              </a:ext>
+            </a:extLst>
+          </p:cNvPr>
+          <p:cNvPicPr>
+            <a:picLocks noChangeAspect="1"/>
+          </p:cNvPicPr>
+          <p:nvPr/>
+        </p:nvPicPr>
+        <p:blipFill rotWithShape="1">
+          <a:blip r:embed="rId2"/>
+          <a:srcRect l="59109"/>
+          <a:stretch/>
+        </p:blipFill>
+        <p:spPr>
+          <a:xfrm rot="5400000">
+            <a:off x="7491111" y="47445"/>
+            <a:ext cx="3108301" cy="5701048"/>
+          </a:xfrm>
+          <a:prstGeom prst="rect">
+            <a:avLst/>
+          </a:prstGeom>
+        </p:spPr>
+      </p:pic>
     </p:spTree>
     <p:extLst>
       <p:ext uri="{BB962C8B-B14F-4D97-AF65-F5344CB8AC3E}">
@@ -4612,6 +5305,44 @@
           </a:p>
         </p:txBody>
       </p:sp>
+      <p:sp>
+        <p:nvSpPr>
+          <p:cNvPr id="3" name="TextBox 2">
+            <a:extLst>
+              <a:ext uri="{FF2B5EF4-FFF2-40B4-BE49-F238E27FC236}">
+                <a16:creationId xmlns:a16="http://schemas.microsoft.com/office/drawing/2014/main" id="{338791F8-E94D-3BBC-69D3-14C368C83C6F}"/>
+              </a:ext>
+            </a:extLst>
+          </p:cNvPr>
+          <p:cNvSpPr txBox="1"/>
+          <p:nvPr/>
+        </p:nvSpPr>
+        <p:spPr>
+          <a:xfrm>
+            <a:off x="291547" y="6470413"/>
+            <a:ext cx="3506088" cy="369332"/>
+          </a:xfrm>
+          <a:prstGeom prst="rect">
+            <a:avLst/>
+          </a:prstGeom>
+          <a:noFill/>
+        </p:spPr>
+        <p:txBody>
+          <a:bodyPr wrap="none" rtlCol="0">
+            <a:spAutoFit/>
+          </a:bodyPr>
+          <a:lstStyle/>
+          <a:p>
+            <a:r>
+              <a:rPr lang="en-US" dirty="0">
+                <a:latin typeface="Times New Roman" panose="02020603050405020304" pitchFamily="18" charset="0"/>
+                <a:cs typeface="Times New Roman" panose="02020603050405020304" pitchFamily="18" charset="0"/>
+              </a:rPr>
+              <a:t>Dietz 2017. Ecological forecasting.</a:t>
+            </a:r>
+          </a:p>
+        </p:txBody>
+      </p:sp>
     </p:spTree>
     <p:extLst>
       <p:ext uri="{BB962C8B-B14F-4D97-AF65-F5344CB8AC3E}">
@@ -4647,7 +5378,7 @@
           <p:cNvPr id="2" name="Title 1">
             <a:extLst>
               <a:ext uri="{FF2B5EF4-FFF2-40B4-BE49-F238E27FC236}">
-                <a16:creationId xmlns:a16="http://schemas.microsoft.com/office/drawing/2014/main" id="{ABC2D099-3FE6-2F4E-AFD9-4863CFE68BDE}"/>
+                <a16:creationId xmlns:a16="http://schemas.microsoft.com/office/drawing/2014/main" id="{C432E709-9ADE-44AB-9C70-DF209858D3E4}"/>
               </a:ext>
             </a:extLst>
           </p:cNvPr>
@@ -4665,54 +5396,106 @@
           <a:p>
             <a:r>
               <a:rPr lang="en-US" dirty="0"/>
-              <a:t>Random effects</a:t>
-            </a:r>
-          </a:p>
-        </p:txBody>
-      </p:sp>
-      <p:sp>
-        <p:nvSpPr>
-          <p:cNvPr id="3" name="Content Placeholder 2">
-            <a:extLst>
-              <a:ext uri="{FF2B5EF4-FFF2-40B4-BE49-F238E27FC236}">
-                <a16:creationId xmlns:a16="http://schemas.microsoft.com/office/drawing/2014/main" id="{0241955C-7647-FB84-007E-C1CC6BFE2042}"/>
-              </a:ext>
-            </a:extLst>
-          </p:cNvPr>
-          <p:cNvSpPr>
-            <a:spLocks noGrp="1"/>
-          </p:cNvSpPr>
-          <p:nvPr>
-            <p:ph idx="1"/>
-          </p:nvPr>
-        </p:nvSpPr>
+              <a:t>Observation error</a:t>
+            </a:r>
+          </a:p>
+        </p:txBody>
+      </p:sp>
+      <p:pic>
+        <p:nvPicPr>
+          <p:cNvPr id="5" name="Picture 4">
+            <a:extLst>
+              <a:ext uri="{FF2B5EF4-FFF2-40B4-BE49-F238E27FC236}">
+                <a16:creationId xmlns:a16="http://schemas.microsoft.com/office/drawing/2014/main" id="{A04E4943-5546-CC7B-1B8C-7D50F5947A3D}"/>
+              </a:ext>
+            </a:extLst>
+          </p:cNvPr>
+          <p:cNvPicPr>
+            <a:picLocks noChangeAspect="1"/>
+          </p:cNvPicPr>
+          <p:nvPr/>
+        </p:nvPicPr>
+        <p:blipFill>
+          <a:blip r:embed="rId3"/>
+          <a:stretch>
+            <a:fillRect/>
+          </a:stretch>
+        </p:blipFill>
         <p:spPr>
           <a:xfrm>
-            <a:off x="220980" y="1686103"/>
-            <a:ext cx="11750040" cy="4584068"/>
+            <a:off x="101510" y="1845167"/>
+            <a:ext cx="7404100" cy="4610100"/>
           </a:xfrm>
+          <a:prstGeom prst="rect">
+            <a:avLst/>
+          </a:prstGeom>
         </p:spPr>
-        <p:txBody>
-          <a:bodyPr>
-            <a:normAutofit/>
+      </p:pic>
+      <p:sp>
+        <p:nvSpPr>
+          <p:cNvPr id="6" name="TextBox 5">
+            <a:extLst>
+              <a:ext uri="{FF2B5EF4-FFF2-40B4-BE49-F238E27FC236}">
+                <a16:creationId xmlns:a16="http://schemas.microsoft.com/office/drawing/2014/main" id="{D0C20A72-115C-042F-CA90-0F08F8AF6192}"/>
+              </a:ext>
+            </a:extLst>
+          </p:cNvPr>
+          <p:cNvSpPr txBox="1"/>
+          <p:nvPr/>
+        </p:nvSpPr>
+        <p:spPr>
+          <a:xfrm>
+            <a:off x="7866218" y="1149395"/>
+            <a:ext cx="4082602" cy="5509200"/>
+          </a:xfrm>
+          <a:prstGeom prst="rect">
+            <a:avLst/>
+          </a:prstGeom>
+          <a:noFill/>
+        </p:spPr>
+        <p:txBody>
+          <a:bodyPr wrap="square" rtlCol="0">
+            <a:spAutoFit/>
           </a:bodyPr>
           <a:lstStyle/>
           <a:p>
             <a:r>
-              <a:rPr lang="en-US" dirty="0"/>
-              <a:t>A fixed factor has categories, or levels, that we set to certain values in an experiment or levels that we choose in an observational study. We infer only to those levels.</a:t>
-            </a:r>
-          </a:p>
-          <a:p>
-            <a:r>
-              <a:rPr lang="en-US" dirty="0"/>
-              <a:t>A random factor has categories that we have not chosen, or that vary even after we make them as uniform as possible.</a:t>
-            </a:r>
-          </a:p>
-          <a:p>
-            <a:r>
-              <a:rPr lang="en-US" dirty="0"/>
-              <a:t>The same factor might be treated as fixed or random depending on the population of inference.</a:t>
+              <a:rPr lang="en-US" sz="3200" u="sng" dirty="0"/>
+              <a:t>Confidence interval</a:t>
+            </a:r>
+            <a:r>
+              <a:rPr lang="en-US" sz="3200" dirty="0"/>
+              <a:t>: uncertainty in parameter estimates</a:t>
+            </a:r>
+          </a:p>
+          <a:p>
+            <a:endParaRPr lang="en-US" sz="3200" dirty="0"/>
+          </a:p>
+          <a:p>
+            <a:r>
+              <a:rPr lang="en-US" sz="3200" u="sng" dirty="0"/>
+              <a:t>Predictive interval</a:t>
+            </a:r>
+            <a:r>
+              <a:rPr lang="en-US" sz="3200" dirty="0"/>
+              <a:t>: all sources of model uncertainty</a:t>
+            </a:r>
+          </a:p>
+          <a:p>
+            <a:endParaRPr lang="en-US" sz="3200" dirty="0"/>
+          </a:p>
+          <a:p>
+            <a:r>
+              <a:rPr lang="en-US" sz="2400" dirty="0"/>
+              <a:t>Based on how these are constructed in Exercise05B_Regression.Rmd (</a:t>
+            </a:r>
+            <a:r>
+              <a:rPr lang="en-US" sz="2400" dirty="0" err="1"/>
+              <a:t>EF_Activities</a:t>
+            </a:r>
+            <a:r>
+              <a:rPr lang="en-US" sz="2400" dirty="0"/>
+              <a:t>)</a:t>
             </a:r>
           </a:p>
         </p:txBody>
@@ -4720,7 +5503,7 @@
     </p:spTree>
     <p:extLst>
       <p:ext uri="{BB962C8B-B14F-4D97-AF65-F5344CB8AC3E}">
-        <p14:creationId xmlns:p14="http://schemas.microsoft.com/office/powerpoint/2010/main" val="3534207571"/>
+        <p14:creationId xmlns:p14="http://schemas.microsoft.com/office/powerpoint/2010/main" val="2449218575"/>
       </p:ext>
     </p:extLst>
   </p:cSld>
@@ -4752,7 +5535,7 @@
           <p:cNvPr id="2" name="Title 1">
             <a:extLst>
               <a:ext uri="{FF2B5EF4-FFF2-40B4-BE49-F238E27FC236}">
-                <a16:creationId xmlns:a16="http://schemas.microsoft.com/office/drawing/2014/main" id="{A659ECC3-D3AA-F159-C384-CCCE430C31F6}"/>
+                <a16:creationId xmlns:a16="http://schemas.microsoft.com/office/drawing/2014/main" id="{ABC2D099-3FE6-2F4E-AFD9-4863CFE68BDE}"/>
               </a:ext>
             </a:extLst>
           </p:cNvPr>
@@ -4770,7 +5553,7 @@
           <a:p>
             <a:r>
               <a:rPr lang="en-US" dirty="0"/>
-              <a:t>Fixed or random effect?</a:t>
+              <a:t>Random effects</a:t>
             </a:r>
           </a:p>
         </p:txBody>
@@ -4780,7 +5563,7 @@
           <p:cNvPr id="3" name="Content Placeholder 2">
             <a:extLst>
               <a:ext uri="{FF2B5EF4-FFF2-40B4-BE49-F238E27FC236}">
-                <a16:creationId xmlns:a16="http://schemas.microsoft.com/office/drawing/2014/main" id="{CDC7BB9B-0670-2F36-28B2-E49FDE2B39A9}"/>
+                <a16:creationId xmlns:a16="http://schemas.microsoft.com/office/drawing/2014/main" id="{0241955C-7647-FB84-007E-C1CC6BFE2042}"/>
               </a:ext>
             </a:extLst>
           </p:cNvPr>
@@ -4791,72 +5574,90 @@
             <p:ph idx="1"/>
           </p:nvPr>
         </p:nvSpPr>
-        <p:spPr/>
+        <p:spPr>
+          <a:xfrm>
+            <a:off x="220980" y="1686103"/>
+            <a:ext cx="11750040" cy="4584068"/>
+          </a:xfrm>
+        </p:spPr>
         <p:txBody>
           <a:bodyPr>
-            <a:normAutofit fontScale="92500" lnSpcReduction="20000"/>
+            <a:normAutofit/>
           </a:bodyPr>
           <a:lstStyle/>
           <a:p>
             <a:r>
               <a:rPr lang="en-US" dirty="0"/>
-              <a:t>treated versus untreated (control) units</a:t>
+              <a:t>A fixed factor has categories, or levels, that we set to certain values in an experiment or levels that we choose in an observational study. We infer only to those levels.</a:t>
             </a:r>
           </a:p>
           <a:p>
             <a:r>
               <a:rPr lang="en-US" dirty="0"/>
-              <a:t>before versus after treatment of an experimental unit.</a:t>
+              <a:t>A random factor has categories that we have not chosen, or that vary even after we make them as uniform as possible.</a:t>
             </a:r>
           </a:p>
           <a:p>
             <a:r>
               <a:rPr lang="en-US" dirty="0"/>
-              <a:t>day versus night</a:t>
-            </a:r>
-          </a:p>
-          <a:p>
-            <a:r>
-              <a:rPr lang="en-US" dirty="0"/>
-              <a:t>habitat types</a:t>
-            </a:r>
-          </a:p>
-          <a:p>
-            <a:r>
-              <a:rPr lang="en-US" dirty="0"/>
-              <a:t>insect stages (larval, adult)</a:t>
-            </a:r>
-          </a:p>
-          <a:p>
-            <a:r>
-              <a:rPr lang="en-US" dirty="0"/>
-              <a:t>tanks in aquaculture</a:t>
-            </a:r>
-          </a:p>
-          <a:p>
-            <a:r>
-              <a:rPr lang="en-US" dirty="0"/>
-              <a:t>plots in agriculture</a:t>
-            </a:r>
-          </a:p>
-          <a:p>
-            <a:r>
-              <a:rPr lang="en-US" dirty="0"/>
-              <a:t>individual organisms</a:t>
-            </a:r>
-          </a:p>
-          <a:p>
-            <a:endParaRPr lang="en-US" dirty="0"/>
-          </a:p>
-          <a:p>
-            <a:endParaRPr lang="en-US" dirty="0"/>
+              <a:t>The same factor might be treated as fixed or random depending on the population of inference.</a:t>
+            </a:r>
+          </a:p>
+        </p:txBody>
+      </p:sp>
+      <p:sp>
+        <p:nvSpPr>
+          <p:cNvPr id="5" name="TextBox 4">
+            <a:extLst>
+              <a:ext uri="{FF2B5EF4-FFF2-40B4-BE49-F238E27FC236}">
+                <a16:creationId xmlns:a16="http://schemas.microsoft.com/office/drawing/2014/main" id="{C439678E-BCE3-5432-DA55-15308B7BB3A6}"/>
+              </a:ext>
+            </a:extLst>
+          </p:cNvPr>
+          <p:cNvSpPr txBox="1"/>
+          <p:nvPr/>
+        </p:nvSpPr>
+        <p:spPr>
+          <a:xfrm>
+            <a:off x="9775065" y="6271146"/>
+            <a:ext cx="2178802" cy="400110"/>
+          </a:xfrm>
+          <a:prstGeom prst="rect">
+            <a:avLst/>
+          </a:prstGeom>
+          <a:noFill/>
+        </p:spPr>
+        <p:txBody>
+          <a:bodyPr wrap="none" rtlCol="0">
+            <a:spAutoFit/>
+          </a:bodyPr>
+          <a:lstStyle/>
+          <a:p>
+            <a:r>
+              <a:rPr lang="en-US" sz="2000" dirty="0">
+                <a:latin typeface="Times New Roman" panose="02020603050405020304" pitchFamily="18" charset="0"/>
+                <a:cs typeface="Times New Roman" panose="02020603050405020304" pitchFamily="18" charset="0"/>
+              </a:rPr>
+              <a:t>By Dave </a:t>
+            </a:r>
+            <a:r>
+              <a:rPr lang="en-US" sz="2000" dirty="0" err="1">
+                <a:latin typeface="Times New Roman" panose="02020603050405020304" pitchFamily="18" charset="0"/>
+                <a:cs typeface="Times New Roman" panose="02020603050405020304" pitchFamily="18" charset="0"/>
+              </a:rPr>
+              <a:t>Scheinder</a:t>
+            </a:r>
+            <a:endParaRPr lang="en-US" sz="2000" dirty="0">
+              <a:latin typeface="Times New Roman" panose="02020603050405020304" pitchFamily="18" charset="0"/>
+              <a:cs typeface="Times New Roman" panose="02020603050405020304" pitchFamily="18" charset="0"/>
+            </a:endParaRPr>
           </a:p>
         </p:txBody>
       </p:sp>
     </p:spTree>
     <p:extLst>
       <p:ext uri="{BB962C8B-B14F-4D97-AF65-F5344CB8AC3E}">
-        <p14:creationId xmlns:p14="http://schemas.microsoft.com/office/powerpoint/2010/main" val="2352799784"/>
+        <p14:creationId xmlns:p14="http://schemas.microsoft.com/office/powerpoint/2010/main" val="3534207571"/>
       </p:ext>
     </p:extLst>
   </p:cSld>
@@ -4888,7 +5689,7 @@
           <p:cNvPr id="2" name="Title 1">
             <a:extLst>
               <a:ext uri="{FF2B5EF4-FFF2-40B4-BE49-F238E27FC236}">
-                <a16:creationId xmlns:a16="http://schemas.microsoft.com/office/drawing/2014/main" id="{30E6D13C-51CB-6939-741B-3B57D980DE8F}"/>
+                <a16:creationId xmlns:a16="http://schemas.microsoft.com/office/drawing/2014/main" id="{A659ECC3-D3AA-F159-C384-CCCE430C31F6}"/>
               </a:ext>
             </a:extLst>
           </p:cNvPr>
@@ -4906,57 +5707,105 @@
           <a:p>
             <a:r>
               <a:rPr lang="en-US" dirty="0"/>
-              <a:t>Hierarchical models</a:t>
-            </a:r>
-          </a:p>
-        </p:txBody>
-      </p:sp>
-      <p:pic>
-        <p:nvPicPr>
-          <p:cNvPr id="5" name="Picture 4">
-            <a:extLst>
-              <a:ext uri="{FF2B5EF4-FFF2-40B4-BE49-F238E27FC236}">
-                <a16:creationId xmlns:a16="http://schemas.microsoft.com/office/drawing/2014/main" id="{5E510352-866F-EEDE-796A-7340B6D061B6}"/>
-              </a:ext>
-            </a:extLst>
-          </p:cNvPr>
-          <p:cNvPicPr>
-            <a:picLocks noChangeAspect="1"/>
-          </p:cNvPicPr>
+              <a:t>Fixed or random effect?</a:t>
+            </a:r>
+          </a:p>
+        </p:txBody>
+      </p:sp>
+      <p:sp>
+        <p:nvSpPr>
+          <p:cNvPr id="3" name="Content Placeholder 2">
+            <a:extLst>
+              <a:ext uri="{FF2B5EF4-FFF2-40B4-BE49-F238E27FC236}">
+                <a16:creationId xmlns:a16="http://schemas.microsoft.com/office/drawing/2014/main" id="{CDC7BB9B-0670-2F36-28B2-E49FDE2B39A9}"/>
+              </a:ext>
+            </a:extLst>
+          </p:cNvPr>
+          <p:cNvSpPr>
+            <a:spLocks noGrp="1"/>
+          </p:cNvSpPr>
+          <p:nvPr>
+            <p:ph idx="1"/>
+          </p:nvPr>
+        </p:nvSpPr>
+        <p:spPr/>
+        <p:txBody>
+          <a:bodyPr>
+            <a:normAutofit fontScale="92500" lnSpcReduction="20000"/>
+          </a:bodyPr>
+          <a:lstStyle/>
+          <a:p>
+            <a:r>
+              <a:rPr lang="en-US" dirty="0"/>
+              <a:t>treated versus untreated (control) units</a:t>
+            </a:r>
+          </a:p>
+          <a:p>
+            <a:r>
+              <a:rPr lang="en-US" dirty="0"/>
+              <a:t>before versus after treatment of an experimental unit.</a:t>
+            </a:r>
+          </a:p>
+          <a:p>
+            <a:r>
+              <a:rPr lang="en-US" dirty="0"/>
+              <a:t>day versus night</a:t>
+            </a:r>
+          </a:p>
+          <a:p>
+            <a:r>
+              <a:rPr lang="en-US" dirty="0"/>
+              <a:t>habitat types</a:t>
+            </a:r>
+          </a:p>
+          <a:p>
+            <a:r>
+              <a:rPr lang="en-US" dirty="0"/>
+              <a:t>insect stages (larval, adult)</a:t>
+            </a:r>
+          </a:p>
+          <a:p>
+            <a:r>
+              <a:rPr lang="en-US" dirty="0"/>
+              <a:t>tanks in aquaculture</a:t>
+            </a:r>
+          </a:p>
+          <a:p>
+            <a:r>
+              <a:rPr lang="en-US" dirty="0"/>
+              <a:t>plots in agriculture</a:t>
+            </a:r>
+          </a:p>
+          <a:p>
+            <a:r>
+              <a:rPr lang="en-US" dirty="0"/>
+              <a:t>individual organisms</a:t>
+            </a:r>
+          </a:p>
+          <a:p>
+            <a:endParaRPr lang="en-US" dirty="0"/>
+          </a:p>
+          <a:p>
+            <a:endParaRPr lang="en-US" dirty="0"/>
+          </a:p>
+        </p:txBody>
+      </p:sp>
+      <p:sp>
+        <p:nvSpPr>
+          <p:cNvPr id="4" name="TextBox 3">
+            <a:extLst>
+              <a:ext uri="{FF2B5EF4-FFF2-40B4-BE49-F238E27FC236}">
+                <a16:creationId xmlns:a16="http://schemas.microsoft.com/office/drawing/2014/main" id="{E741E071-6056-C267-910E-6C093046BB4B}"/>
+              </a:ext>
+            </a:extLst>
+          </p:cNvPr>
+          <p:cNvSpPr txBox="1"/>
           <p:nvPr/>
-        </p:nvPicPr>
-        <p:blipFill>
-          <a:blip r:embed="rId2"/>
-          <a:stretch>
-            <a:fillRect/>
-          </a:stretch>
-        </p:blipFill>
+        </p:nvSpPr>
         <p:spPr>
           <a:xfrm>
-            <a:off x="1106958" y="1067832"/>
-            <a:ext cx="9978083" cy="4091996"/>
-          </a:xfrm>
-          <a:prstGeom prst="rect">
-            <a:avLst/>
-          </a:prstGeom>
-        </p:spPr>
-      </p:pic>
-      <p:sp>
-        <p:nvSpPr>
-          <p:cNvPr id="6" name="TextBox 5">
-            <a:extLst>
-              <a:ext uri="{FF2B5EF4-FFF2-40B4-BE49-F238E27FC236}">
-                <a16:creationId xmlns:a16="http://schemas.microsoft.com/office/drawing/2014/main" id="{BC8AD0DB-E379-FBB9-11C0-EE88795AC40F}"/>
-              </a:ext>
-            </a:extLst>
-          </p:cNvPr>
-          <p:cNvSpPr txBox="1"/>
-          <p:nvPr/>
-        </p:nvSpPr>
-        <p:spPr>
-          <a:xfrm>
-            <a:off x="611164" y="5563074"/>
-            <a:ext cx="10969670" cy="646331"/>
+            <a:off x="9775065" y="6271146"/>
+            <a:ext cx="2178802" cy="400110"/>
           </a:xfrm>
           <a:prstGeom prst="rect">
             <a:avLst/>
@@ -4970,19 +5819,30 @@
           <a:lstStyle/>
           <a:p>
             <a:r>
-              <a:rPr lang="en-US" sz="3600" dirty="0">
+              <a:rPr lang="en-US" sz="2000" dirty="0">
                 <a:latin typeface="Times New Roman" panose="02020603050405020304" pitchFamily="18" charset="0"/>
                 <a:cs typeface="Times New Roman" panose="02020603050405020304" pitchFamily="18" charset="0"/>
               </a:rPr>
-              <a:t>Powerful tool for estimating and partitioning process error</a:t>
-            </a:r>
+              <a:t>By Dave </a:t>
+            </a:r>
+            <a:r>
+              <a:rPr lang="en-US" sz="2000" dirty="0" err="1">
+                <a:latin typeface="Times New Roman" panose="02020603050405020304" pitchFamily="18" charset="0"/>
+                <a:cs typeface="Times New Roman" panose="02020603050405020304" pitchFamily="18" charset="0"/>
+              </a:rPr>
+              <a:t>Scheinder</a:t>
+            </a:r>
+            <a:endParaRPr lang="en-US" sz="2000" dirty="0">
+              <a:latin typeface="Times New Roman" panose="02020603050405020304" pitchFamily="18" charset="0"/>
+              <a:cs typeface="Times New Roman" panose="02020603050405020304" pitchFamily="18" charset="0"/>
+            </a:endParaRPr>
           </a:p>
         </p:txBody>
       </p:sp>
     </p:spTree>
     <p:extLst>
       <p:ext uri="{BB962C8B-B14F-4D97-AF65-F5344CB8AC3E}">
-        <p14:creationId xmlns:p14="http://schemas.microsoft.com/office/powerpoint/2010/main" val="4227027037"/>
+        <p14:creationId xmlns:p14="http://schemas.microsoft.com/office/powerpoint/2010/main" val="2352799784"/>
       </p:ext>
     </p:extLst>
   </p:cSld>
